--- a/academic-kickstart-master/static/files/2018_unusa_socpsych-rel.pptx
+++ b/academic-kickstart-master/static/files/2018_unusa_socpsych-rel.pptx
@@ -208,7 +208,7 @@
           <a:p>
             <a:fld id="{1A81C1E2-46F5-4271-AFA5-3D063F652D4B}" type="datetimeFigureOut">
               <a:rPr lang="en-US" smtClean="0"/>
-              <a:t>6/9/2019</a:t>
+              <a:t>1/6/2020</a:t>
             </a:fld>
             <a:endParaRPr lang="en-US"/>
           </a:p>
@@ -742,7 +742,7 @@
           <a:p>
             <a:fld id="{FFDF69D3-A241-41F2-9E2C-2BA1D6478157}" type="datetimeFigureOut">
               <a:rPr lang="en-GB" smtClean="0"/>
-              <a:t>09/06/2019</a:t>
+              <a:t>06/01/2020</a:t>
             </a:fld>
             <a:endParaRPr lang="en-GB"/>
           </a:p>
@@ -922,7 +922,7 @@
           <a:p>
             <a:fld id="{FFDF69D3-A241-41F2-9E2C-2BA1D6478157}" type="datetimeFigureOut">
               <a:rPr lang="en-GB" smtClean="0"/>
-              <a:t>09/06/2019</a:t>
+              <a:t>06/01/2020</a:t>
             </a:fld>
             <a:endParaRPr lang="en-GB"/>
           </a:p>
@@ -1112,7 +1112,7 @@
           <a:p>
             <a:fld id="{FFDF69D3-A241-41F2-9E2C-2BA1D6478157}" type="datetimeFigureOut">
               <a:rPr lang="en-GB" smtClean="0"/>
-              <a:t>09/06/2019</a:t>
+              <a:t>06/01/2020</a:t>
             </a:fld>
             <a:endParaRPr lang="en-GB"/>
           </a:p>
@@ -1292,7 +1292,7 @@
           <a:p>
             <a:fld id="{FFDF69D3-A241-41F2-9E2C-2BA1D6478157}" type="datetimeFigureOut">
               <a:rPr lang="en-GB" smtClean="0"/>
-              <a:t>09/06/2019</a:t>
+              <a:t>06/01/2020</a:t>
             </a:fld>
             <a:endParaRPr lang="en-GB"/>
           </a:p>
@@ -1549,7 +1549,7 @@
           <a:p>
             <a:fld id="{FFDF69D3-A241-41F2-9E2C-2BA1D6478157}" type="datetimeFigureOut">
               <a:rPr lang="en-GB" smtClean="0"/>
-              <a:t>09/06/2019</a:t>
+              <a:t>06/01/2020</a:t>
             </a:fld>
             <a:endParaRPr lang="en-GB"/>
           </a:p>
@@ -1846,7 +1846,7 @@
           <a:p>
             <a:fld id="{FFDF69D3-A241-41F2-9E2C-2BA1D6478157}" type="datetimeFigureOut">
               <a:rPr lang="en-GB" smtClean="0"/>
-              <a:t>09/06/2019</a:t>
+              <a:t>06/01/2020</a:t>
             </a:fld>
             <a:endParaRPr lang="en-GB"/>
           </a:p>
@@ -2277,7 +2277,7 @@
           <a:p>
             <a:fld id="{FFDF69D3-A241-41F2-9E2C-2BA1D6478157}" type="datetimeFigureOut">
               <a:rPr lang="en-GB" smtClean="0"/>
-              <a:t>09/06/2019</a:t>
+              <a:t>06/01/2020</a:t>
             </a:fld>
             <a:endParaRPr lang="en-GB"/>
           </a:p>
@@ -2406,7 +2406,7 @@
           <a:p>
             <a:fld id="{FFDF69D3-A241-41F2-9E2C-2BA1D6478157}" type="datetimeFigureOut">
               <a:rPr lang="en-GB" smtClean="0"/>
-              <a:t>09/06/2019</a:t>
+              <a:t>06/01/2020</a:t>
             </a:fld>
             <a:endParaRPr lang="en-GB"/>
           </a:p>
@@ -2513,7 +2513,7 @@
           <a:p>
             <a:fld id="{FFDF69D3-A241-41F2-9E2C-2BA1D6478157}" type="datetimeFigureOut">
               <a:rPr lang="en-GB" smtClean="0"/>
-              <a:t>09/06/2019</a:t>
+              <a:t>06/01/2020</a:t>
             </a:fld>
             <a:endParaRPr lang="en-GB"/>
           </a:p>
@@ -2800,7 +2800,7 @@
           <a:p>
             <a:fld id="{FFDF69D3-A241-41F2-9E2C-2BA1D6478157}" type="datetimeFigureOut">
               <a:rPr lang="en-GB" smtClean="0"/>
-              <a:t>09/06/2019</a:t>
+              <a:t>06/01/2020</a:t>
             </a:fld>
             <a:endParaRPr lang="en-GB"/>
           </a:p>
@@ -3070,7 +3070,7 @@
           <a:p>
             <a:fld id="{FFDF69D3-A241-41F2-9E2C-2BA1D6478157}" type="datetimeFigureOut">
               <a:rPr lang="en-GB" smtClean="0"/>
-              <a:t>09/06/2019</a:t>
+              <a:t>06/01/2020</a:t>
             </a:fld>
             <a:endParaRPr lang="en-GB"/>
           </a:p>
@@ -3346,7 +3346,7 @@
           <a:p>
             <a:fld id="{FFDF69D3-A241-41F2-9E2C-2BA1D6478157}" type="datetimeFigureOut">
               <a:rPr lang="en-GB" smtClean="0"/>
-              <a:t>09/06/2019</a:t>
+              <a:t>06/01/2020</a:t>
             </a:fld>
             <a:endParaRPr lang="en-GB"/>
           </a:p>
@@ -4472,7 +4472,15 @@
             <a:pPr algn="l"/>
             <a:r>
               <a:rPr lang="en-GB" b="1" dirty="0"/>
-              <a:t>The good, the bad and the deadly </a:t>
+              <a:t>The good, </a:t>
+            </a:r>
+            <a:r>
+              <a:rPr lang="en-GB" b="1"/>
+              <a:t>the bad, </a:t>
+            </a:r>
+            <a:r>
+              <a:rPr lang="en-GB" b="1" dirty="0"/>
+              <a:t>and the deadly </a:t>
             </a:r>
             <a:r>
               <a:rPr lang="en-GB" sz="1800" b="1" dirty="0"/>
@@ -4518,7 +4526,15 @@
           <a:p>
             <a:r>
               <a:rPr lang="en-US" sz="2400" dirty="0"/>
-              <a:t>If theology strictness is important, why terrorist groups are ironically </a:t>
+              <a:t>If theology strictness </a:t>
+            </a:r>
+            <a:r>
+              <a:rPr lang="en-US" sz="2400"/>
+              <a:t>is important</a:t>
+            </a:r>
+            <a:r>
+              <a:rPr lang="en-US" sz="2400" dirty="0"/>
+              <a:t>, why terrorist groups are ironically </a:t>
             </a:r>
             <a:r>
               <a:rPr lang="en-US" sz="2400" b="1" i="1" u="sng" dirty="0"/>
